--- a/PPTs/10 Forms.pptx
+++ b/PPTs/10 Forms.pptx
@@ -235,7 +235,7 @@
             <a:fld id="{4991502B-FFA8-47B9-B4E5-980CA415BAFF}" type="datetimeFigureOut">
               <a:rPr lang="en-US" smtClean="0"/>
               <a:pPr/>
-              <a:t>6/11/2017</a:t>
+              <a:t>9/14/2017</a:t>
             </a:fld>
             <a:endParaRPr lang="en-US"/>
           </a:p>
@@ -17067,8 +17067,8 @@
           <a:lstStyle/>
           <a:p>
             <a:r>
-              <a:rPr lang="en-US" dirty="0" err="1"/>
-              <a:t>Summry</a:t>
+              <a:rPr lang="en-US"/>
+              <a:t>Summary</a:t>
             </a:r>
             <a:endParaRPr lang="he-IL" dirty="0"/>
           </a:p>

--- a/PPTs/10 Forms.pptx
+++ b/PPTs/10 Forms.pptx
@@ -235,7 +235,7 @@
             <a:fld id="{4991502B-FFA8-47B9-B4E5-980CA415BAFF}" type="datetimeFigureOut">
               <a:rPr lang="en-US" smtClean="0"/>
               <a:pPr/>
-              <a:t>9/14/2017</a:t>
+              <a:t>9/17/2017</a:t>
             </a:fld>
             <a:endParaRPr lang="en-US"/>
           </a:p>
@@ -11487,7 +11487,7 @@
             <a:pPr lvl="1"/>
             <a:r>
               <a:rPr lang="en-US" dirty="0"/>
-              <a:t>Change validation functions on the fly</a:t>
+              <a:t>Can change validation functions on the fly</a:t>
             </a:r>
           </a:p>
           <a:p>
@@ -13997,8 +13997,17 @@
           <a:p>
             <a:r>
               <a:rPr lang="en-US" dirty="0"/>
-              <a:t>Angular provides a dedicated package named @angular/forms the ability to handle forms</a:t>
-            </a:r>
+              <a:t>Angular provides a dedicated package named </a:t>
+            </a:r>
+            <a:r>
+              <a:rPr lang="en-US" dirty="0">
+                <a:solidFill>
+                  <a:srgbClr val="FF0000"/>
+                </a:solidFill>
+              </a:rPr>
+              <a:t>@angular/forms</a:t>
+            </a:r>
+            <a:endParaRPr lang="en-US" dirty="0"/>
           </a:p>
           <a:p>
             <a:r>
@@ -14140,12 +14149,16 @@
           <a:lstStyle/>
           <a:p>
             <a:r>
+              <a:rPr lang="en-US" dirty="0"/>
+              <a:t>[</a:t>
+            </a:r>
+            <a:r>
               <a:rPr lang="en-US" dirty="0" err="1"/>
               <a:t>formGroup</a:t>
             </a:r>
             <a:r>
               <a:rPr lang="en-US" dirty="0"/>
-              <a:t> creates a live binding</a:t>
+              <a:t>] creates a live binding</a:t>
             </a:r>
           </a:p>
           <a:p>
@@ -15214,8 +15227,8 @@
         </p:nvSpPr>
         <p:spPr>
           <a:xfrm>
-            <a:off x="2403348" y="3501008"/>
-            <a:ext cx="4572000" cy="1815882"/>
+            <a:off x="2236870" y="3501008"/>
+            <a:ext cx="4904956" cy="1600438"/>
           </a:xfrm>
           <a:prstGeom prst="rect">
             <a:avLst/>
@@ -15228,7 +15241,7 @@
           </a:solidFill>
         </p:spPr>
         <p:txBody>
-          <a:bodyPr>
+          <a:bodyPr wrap="square">
             <a:spAutoFit/>
           </a:bodyPr>
           <a:lstStyle/>
@@ -17295,7 +17308,7 @@
           <a:p>
             <a:r>
               <a:rPr lang="en-US" dirty="0"/>
-              <a:t>Template driven approach simply infers the form structure directly from the DOM</a:t>
+              <a:t>Template driven approach infers the form structure directly from the DOM</a:t>
             </a:r>
           </a:p>
           <a:p>
@@ -17316,6 +17329,13 @@
             <a:r>
               <a:rPr lang="en-US" dirty="0"/>
               <a:t>More testable</a:t>
+            </a:r>
+          </a:p>
+          <a:p>
+            <a:pPr lvl="1"/>
+            <a:r>
+              <a:rPr lang="en-US" dirty="0"/>
+              <a:t>More code</a:t>
             </a:r>
           </a:p>
           <a:p>
@@ -17442,10 +17462,26 @@
           <a:p>
             <a:r>
               <a:rPr lang="en-US" dirty="0"/>
-              <a:t>Start by installing @angular/form and add </a:t>
-            </a:r>
-            <a:r>
-              <a:rPr lang="en-US" dirty="0" err="1"/>
+              <a:t>Start by installing </a:t>
+            </a:r>
+            <a:r>
+              <a:rPr lang="en-US" dirty="0">
+                <a:solidFill>
+                  <a:srgbClr val="FF0000"/>
+                </a:solidFill>
+              </a:rPr>
+              <a:t>@angular/form </a:t>
+            </a:r>
+            <a:r>
+              <a:rPr lang="en-US" dirty="0"/>
+              <a:t>and add </a:t>
+            </a:r>
+            <a:r>
+              <a:rPr lang="en-US" dirty="0" err="1">
+                <a:solidFill>
+                  <a:srgbClr val="FF0000"/>
+                </a:solidFill>
+              </a:rPr>
               <a:t>FormModule</a:t>
             </a:r>
             <a:r>
@@ -17928,11 +17964,7 @@
           <a:p>
             <a:r>
               <a:rPr lang="en-US" dirty="0"/>
-              <a:t>It means that two way data binding can be used only when the directive support that </a:t>
-            </a:r>
-            <a:r>
-              <a:rPr lang="en-US" dirty="0" err="1"/>
-              <a:t>conenvtion</a:t>
+              <a:t>It means that two way data binding can be used only when the directive supports the expected convention</a:t>
             </a:r>
             <a:endParaRPr lang="he-IL" dirty="0"/>
           </a:p>
@@ -20033,235 +20065,9 @@
           <a:p>
             <a:r>
               <a:rPr lang="en-US" dirty="0"/>
-              <a:t>Do not use CSS classes for conditional display</a:t>
-            </a:r>
-          </a:p>
-          <a:p>
-            <a:r>
-              <a:rPr lang="en-US" dirty="0" err="1"/>
-              <a:t>ngModel</a:t>
-            </a:r>
-            <a:r>
-              <a:rPr lang="en-US" dirty="0"/>
-              <a:t> offers a simple API for querying validation flags</a:t>
-            </a:r>
-          </a:p>
-          <a:p>
-            <a:endParaRPr lang="en-US" dirty="0"/>
-          </a:p>
-          <a:p>
-            <a:r>
-              <a:rPr lang="en-US" dirty="0"/>
-              <a:t>Use the flags</a:t>
+              <a:t>Inside template</a:t>
             </a:r>
             <a:endParaRPr lang="he-IL" dirty="0"/>
-          </a:p>
-        </p:txBody>
-      </p:sp>
-      <p:sp>
-        <p:nvSpPr>
-          <p:cNvPr id="6" name="Rectangle 5"/>
-          <p:cNvSpPr/>
-          <p:nvPr/>
-        </p:nvSpPr>
-        <p:spPr>
-          <a:xfrm>
-            <a:off x="2061056" y="3284984"/>
-            <a:ext cx="5256584" cy="307777"/>
-          </a:xfrm>
-          <a:prstGeom prst="rect">
-            <a:avLst/>
-          </a:prstGeom>
-          <a:solidFill>
-            <a:schemeClr val="accent1">
-              <a:lumMod val="40000"/>
-              <a:lumOff val="60000"/>
-            </a:schemeClr>
-          </a:solidFill>
-        </p:spPr>
-        <p:txBody>
-          <a:bodyPr wrap="square">
-            <a:spAutoFit/>
-          </a:bodyPr>
-          <a:lstStyle/>
-          <a:p>
-            <a:r>
-              <a:rPr lang="en-US" sz="1400" dirty="0">
-                <a:solidFill>
-                  <a:srgbClr val="000000"/>
-                </a:solidFill>
-                <a:latin typeface="Calibri" panose="020F0502020204030204" pitchFamily="34" charset="0"/>
-                <a:ea typeface="Calibri" panose="020F0502020204030204" pitchFamily="34" charset="0"/>
-                <a:cs typeface="Arial" panose="020B0604020202020204" pitchFamily="34" charset="0"/>
-              </a:rPr>
-              <a:t>&lt;</a:t>
-            </a:r>
-            <a:r>
-              <a:rPr lang="en-US" sz="1400" b="1" dirty="0">
-                <a:solidFill>
-                  <a:srgbClr val="000080"/>
-                </a:solidFill>
-                <a:latin typeface="Calibri" panose="020F0502020204030204" pitchFamily="34" charset="0"/>
-                <a:ea typeface="Calibri" panose="020F0502020204030204" pitchFamily="34" charset="0"/>
-                <a:cs typeface="Arial" panose="020B0604020202020204" pitchFamily="34" charset="0"/>
-              </a:rPr>
-              <a:t>input </a:t>
-            </a:r>
-            <a:r>
-              <a:rPr lang="en-US" sz="1400" b="1" dirty="0">
-                <a:solidFill>
-                  <a:srgbClr val="0000FF"/>
-                </a:solidFill>
-                <a:latin typeface="Calibri" panose="020F0502020204030204" pitchFamily="34" charset="0"/>
-                <a:ea typeface="Calibri" panose="020F0502020204030204" pitchFamily="34" charset="0"/>
-                <a:cs typeface="Arial" panose="020B0604020202020204" pitchFamily="34" charset="0"/>
-              </a:rPr>
-              <a:t>[(</a:t>
-            </a:r>
-            <a:r>
-              <a:rPr lang="en-US" sz="1400" b="1" dirty="0" err="1">
-                <a:solidFill>
-                  <a:srgbClr val="0000FF"/>
-                </a:solidFill>
-                <a:latin typeface="Calibri" panose="020F0502020204030204" pitchFamily="34" charset="0"/>
-                <a:ea typeface="Calibri" panose="020F0502020204030204" pitchFamily="34" charset="0"/>
-                <a:cs typeface="Arial" panose="020B0604020202020204" pitchFamily="34" charset="0"/>
-              </a:rPr>
-              <a:t>ngModel</a:t>
-            </a:r>
-            <a:r>
-              <a:rPr lang="en-US" sz="1400" b="1" dirty="0">
-                <a:solidFill>
-                  <a:srgbClr val="0000FF"/>
-                </a:solidFill>
-                <a:latin typeface="Calibri" panose="020F0502020204030204" pitchFamily="34" charset="0"/>
-                <a:ea typeface="Calibri" panose="020F0502020204030204" pitchFamily="34" charset="0"/>
-                <a:cs typeface="Arial" panose="020B0604020202020204" pitchFamily="34" charset="0"/>
-              </a:rPr>
-              <a:t>)]=</a:t>
-            </a:r>
-            <a:r>
-              <a:rPr lang="en-US" sz="1400" b="1" dirty="0">
-                <a:solidFill>
-                  <a:srgbClr val="008000"/>
-                </a:solidFill>
-                <a:latin typeface="Calibri" panose="020F0502020204030204" pitchFamily="34" charset="0"/>
-                <a:ea typeface="Calibri" panose="020F0502020204030204" pitchFamily="34" charset="0"/>
-                <a:cs typeface="Arial" panose="020B0604020202020204" pitchFamily="34" charset="0"/>
-              </a:rPr>
-              <a:t>"</a:t>
-            </a:r>
-            <a:r>
-              <a:rPr lang="en-US" sz="1400" b="1" dirty="0">
-                <a:solidFill>
-                  <a:srgbClr val="660E7A"/>
-                </a:solidFill>
-                <a:latin typeface="Calibri" panose="020F0502020204030204" pitchFamily="34" charset="0"/>
-                <a:ea typeface="Calibri" panose="020F0502020204030204" pitchFamily="34" charset="0"/>
-                <a:cs typeface="Arial" panose="020B0604020202020204" pitchFamily="34" charset="0"/>
-              </a:rPr>
-              <a:t>name</a:t>
-            </a:r>
-            <a:r>
-              <a:rPr lang="en-US" sz="1400" b="1" dirty="0">
-                <a:solidFill>
-                  <a:srgbClr val="008000"/>
-                </a:solidFill>
-                <a:latin typeface="Calibri" panose="020F0502020204030204" pitchFamily="34" charset="0"/>
-                <a:ea typeface="Calibri" panose="020F0502020204030204" pitchFamily="34" charset="0"/>
-                <a:cs typeface="Arial" panose="020B0604020202020204" pitchFamily="34" charset="0"/>
-              </a:rPr>
-              <a:t>" </a:t>
-            </a:r>
-            <a:r>
-              <a:rPr lang="en-US" sz="1400" b="1" dirty="0">
-                <a:solidFill>
-                  <a:srgbClr val="0000FF"/>
-                </a:solidFill>
-                <a:latin typeface="Calibri" panose="020F0502020204030204" pitchFamily="34" charset="0"/>
-                <a:ea typeface="Calibri" panose="020F0502020204030204" pitchFamily="34" charset="0"/>
-                <a:cs typeface="Arial" panose="020B0604020202020204" pitchFamily="34" charset="0"/>
-              </a:rPr>
-              <a:t>#</a:t>
-            </a:r>
-            <a:r>
-              <a:rPr lang="en-US" sz="1400" b="1" dirty="0" err="1">
-                <a:solidFill>
-                  <a:srgbClr val="0000FF"/>
-                </a:solidFill>
-                <a:latin typeface="Calibri" panose="020F0502020204030204" pitchFamily="34" charset="0"/>
-                <a:ea typeface="Calibri" panose="020F0502020204030204" pitchFamily="34" charset="0"/>
-                <a:cs typeface="Arial" panose="020B0604020202020204" pitchFamily="34" charset="0"/>
-              </a:rPr>
-              <a:t>nameNgModel</a:t>
-            </a:r>
-            <a:r>
-              <a:rPr lang="en-US" sz="1400" b="1" dirty="0">
-                <a:solidFill>
-                  <a:srgbClr val="0000FF"/>
-                </a:solidFill>
-                <a:latin typeface="Calibri" panose="020F0502020204030204" pitchFamily="34" charset="0"/>
-                <a:ea typeface="Calibri" panose="020F0502020204030204" pitchFamily="34" charset="0"/>
-                <a:cs typeface="Arial" panose="020B0604020202020204" pitchFamily="34" charset="0"/>
-              </a:rPr>
-              <a:t>=</a:t>
-            </a:r>
-            <a:r>
-              <a:rPr lang="en-US" sz="1400" b="1" dirty="0">
-                <a:solidFill>
-                  <a:srgbClr val="008000"/>
-                </a:solidFill>
-                <a:latin typeface="Calibri" panose="020F0502020204030204" pitchFamily="34" charset="0"/>
-                <a:ea typeface="Calibri" panose="020F0502020204030204" pitchFamily="34" charset="0"/>
-                <a:cs typeface="Arial" panose="020B0604020202020204" pitchFamily="34" charset="0"/>
-              </a:rPr>
-              <a:t>"</a:t>
-            </a:r>
-            <a:r>
-              <a:rPr lang="en-US" sz="1400" b="1" dirty="0" err="1">
-                <a:solidFill>
-                  <a:srgbClr val="008000"/>
-                </a:solidFill>
-                <a:latin typeface="Calibri" panose="020F0502020204030204" pitchFamily="34" charset="0"/>
-                <a:ea typeface="Calibri" panose="020F0502020204030204" pitchFamily="34" charset="0"/>
-                <a:cs typeface="Arial" panose="020B0604020202020204" pitchFamily="34" charset="0"/>
-              </a:rPr>
-              <a:t>ngModel</a:t>
-            </a:r>
-            <a:r>
-              <a:rPr lang="en-US" sz="1400" b="1" dirty="0">
-                <a:solidFill>
-                  <a:srgbClr val="008000"/>
-                </a:solidFill>
-                <a:latin typeface="Calibri" panose="020F0502020204030204" pitchFamily="34" charset="0"/>
-                <a:ea typeface="Calibri" panose="020F0502020204030204" pitchFamily="34" charset="0"/>
-                <a:cs typeface="Arial" panose="020B0604020202020204" pitchFamily="34" charset="0"/>
-              </a:rPr>
-              <a:t>" </a:t>
-            </a:r>
-            <a:r>
-              <a:rPr lang="en-US" sz="1400" b="1" dirty="0">
-                <a:solidFill>
-                  <a:srgbClr val="0000FF"/>
-                </a:solidFill>
-                <a:latin typeface="Calibri" panose="020F0502020204030204" pitchFamily="34" charset="0"/>
-                <a:ea typeface="Calibri" panose="020F0502020204030204" pitchFamily="34" charset="0"/>
-                <a:cs typeface="Arial" panose="020B0604020202020204" pitchFamily="34" charset="0"/>
-              </a:rPr>
-              <a:t>required</a:t>
-            </a:r>
-            <a:r>
-              <a:rPr lang="en-US" sz="1400" dirty="0">
-                <a:solidFill>
-                  <a:srgbClr val="000000"/>
-                </a:solidFill>
-                <a:latin typeface="Calibri" panose="020F0502020204030204" pitchFamily="34" charset="0"/>
-                <a:ea typeface="Calibri" panose="020F0502020204030204" pitchFamily="34" charset="0"/>
-                <a:cs typeface="Arial" panose="020B0604020202020204" pitchFamily="34" charset="0"/>
-              </a:rPr>
-              <a:t>&gt;</a:t>
-            </a:r>
-            <a:endParaRPr lang="he-IL" sz="1400" dirty="0"/>
           </a:p>
         </p:txBody>
       </p:sp>
@@ -20273,7 +20079,7 @@
         </p:nvSpPr>
         <p:spPr>
           <a:xfrm>
-            <a:off x="1052944" y="4653136"/>
+            <a:off x="1052944" y="2852936"/>
             <a:ext cx="7272808" cy="738664"/>
           </a:xfrm>
           <a:prstGeom prst="rect">
